--- a/Cloud Computing/Azure IaaS/Session 1 - Introduction and Slides/Azure Virtual Machines.pptx
+++ b/Cloud Computing/Azure IaaS/Session 1 - Introduction and Slides/Azure Virtual Machines.pptx
@@ -1622,7 +1622,6 @@
             <a:rPr lang="en-US" dirty="0"/>
             <a:t>Use a Custom ARM Template</a:t>
           </a:r>
-          <a:endParaRPr lang="en-US" dirty="0"/>
         </a:p>
       </dgm:t>
     </dgm:pt>
@@ -1643,6 +1642,13 @@
         </dgm:presLayoutVars>
       </dgm:prSet>
       <dgm:spPr/>
+      <dgm:t>
+        <a:bodyPr/>
+        <a:lstStyle/>
+        <a:p>
+          <a:endParaRPr lang="en-US"/>
+        </a:p>
+      </dgm:t>
     </dgm:pt>
     <dgm:pt modelId="{A5742A3D-3149-4833-9E95-31AD3589EBEF}" type="pres">
       <dgm:prSet presAssocID="{DD0FEE4B-146A-495C-BBA6-75A98C776ADF}" presName="composite" presStyleCnt="0"/>
@@ -1657,6 +1663,13 @@
         </dgm:presLayoutVars>
       </dgm:prSet>
       <dgm:spPr/>
+      <dgm:t>
+        <a:bodyPr/>
+        <a:lstStyle/>
+        <a:p>
+          <a:endParaRPr lang="en-US"/>
+        </a:p>
+      </dgm:t>
     </dgm:pt>
     <dgm:pt modelId="{9FA6C10D-9552-4996-A95C-2636A5BE516B}" type="pres">
       <dgm:prSet presAssocID="{DD0FEE4B-146A-495C-BBA6-75A98C776ADF}" presName="desTx" presStyleLbl="alignAccFollowNode1" presStyleIdx="0" presStyleCnt="3">
@@ -1665,6 +1678,13 @@
         </dgm:presLayoutVars>
       </dgm:prSet>
       <dgm:spPr/>
+      <dgm:t>
+        <a:bodyPr/>
+        <a:lstStyle/>
+        <a:p>
+          <a:endParaRPr lang="en-US"/>
+        </a:p>
+      </dgm:t>
     </dgm:pt>
     <dgm:pt modelId="{83E0A8C5-BD0C-48C8-9A3B-72E81B172D1E}" type="pres">
       <dgm:prSet presAssocID="{8C4E152F-0E2F-4592-AC87-85F05DB6A825}" presName="space" presStyleCnt="0"/>
@@ -1683,6 +1703,13 @@
         </dgm:presLayoutVars>
       </dgm:prSet>
       <dgm:spPr/>
+      <dgm:t>
+        <a:bodyPr/>
+        <a:lstStyle/>
+        <a:p>
+          <a:endParaRPr lang="en-US"/>
+        </a:p>
+      </dgm:t>
     </dgm:pt>
     <dgm:pt modelId="{F21A3429-D2FD-4E5A-BA57-1E91163818B6}" type="pres">
       <dgm:prSet presAssocID="{C0E18C18-E687-4517-88A1-798198981AF8}" presName="desTx" presStyleLbl="alignAccFollowNode1" presStyleIdx="1" presStyleCnt="3">
@@ -1691,6 +1718,13 @@
         </dgm:presLayoutVars>
       </dgm:prSet>
       <dgm:spPr/>
+      <dgm:t>
+        <a:bodyPr/>
+        <a:lstStyle/>
+        <a:p>
+          <a:endParaRPr lang="en-US"/>
+        </a:p>
+      </dgm:t>
     </dgm:pt>
     <dgm:pt modelId="{83543584-6ADA-4949-8C38-05F2F9022028}" type="pres">
       <dgm:prSet presAssocID="{38853C39-46C0-4FC8-9E83-D63AFCAAAD35}" presName="space" presStyleCnt="0"/>
@@ -1709,6 +1743,13 @@
         </dgm:presLayoutVars>
       </dgm:prSet>
       <dgm:spPr/>
+      <dgm:t>
+        <a:bodyPr/>
+        <a:lstStyle/>
+        <a:p>
+          <a:endParaRPr lang="en-US"/>
+        </a:p>
+      </dgm:t>
     </dgm:pt>
     <dgm:pt modelId="{B50089EA-95B2-4DA2-A097-9864D32B35C3}" type="pres">
       <dgm:prSet presAssocID="{6D7F13BD-1746-4018-B4B2-B89B5D795F66}" presName="desTx" presStyleLbl="alignAccFollowNode1" presStyleIdx="2" presStyleCnt="3">
@@ -1717,36 +1758,43 @@
         </dgm:presLayoutVars>
       </dgm:prSet>
       <dgm:spPr/>
+      <dgm:t>
+        <a:bodyPr/>
+        <a:lstStyle/>
+        <a:p>
+          <a:endParaRPr lang="en-US"/>
+        </a:p>
+      </dgm:t>
     </dgm:pt>
   </dgm:ptLst>
   <dgm:cxnLst>
-    <dgm:cxn modelId="{15107A3C-0CC7-4B37-AE17-E6C50E930C07}" srcId="{C0E18C18-E687-4517-88A1-798198981AF8}" destId="{EB130527-9971-4CA5-80E4-26AD1D43139A}" srcOrd="0" destOrd="0" parTransId="{0B27DD1C-122B-43D3-B80B-34E6EA49BD00}" sibTransId="{48E2667D-5C52-4972-A44B-FD5564973506}"/>
-    <dgm:cxn modelId="{10D3D067-A1C6-4BFD-86B6-758CF00B13CF}" srcId="{C0E18C18-E687-4517-88A1-798198981AF8}" destId="{BA7D3D14-7570-4140-AA4F-6F7D9668C63C}" srcOrd="4" destOrd="0" parTransId="{5C491254-2647-4D83-B80D-A41C7DBBE2D1}" sibTransId="{C2DE4CB4-98B1-4D71-AC89-A1349CC5C5FE}"/>
     <dgm:cxn modelId="{350186AD-B37D-4097-803C-6EE5E3340B03}" type="presOf" srcId="{7C78240F-717A-46F1-A9D1-284133155A6B}" destId="{9FA6C10D-9552-4996-A95C-2636A5BE516B}" srcOrd="0" destOrd="2" presId="urn:microsoft.com/office/officeart/2005/8/layout/hList1"/>
     <dgm:cxn modelId="{0FFC3D8D-1D44-4A9D-8D6C-D93904453E2F}" type="presOf" srcId="{C0E18C18-E687-4517-88A1-798198981AF8}" destId="{38A270B5-0C1D-478F-ABA9-EF14CA141189}" srcOrd="0" destOrd="0" presId="urn:microsoft.com/office/officeart/2005/8/layout/hList1"/>
     <dgm:cxn modelId="{D3281068-5FAE-458A-AE0F-23B1FDDDB305}" srcId="{DD0FEE4B-146A-495C-BBA6-75A98C776ADF}" destId="{F3808770-E904-469E-94F8-396B56E2230C}" srcOrd="0" destOrd="0" parTransId="{2CC69255-259B-4806-99A3-E0FC9021B51D}" sibTransId="{9525D2A3-D087-4B03-AB4B-F1DF85BD42B4}"/>
+    <dgm:cxn modelId="{D2C820B5-E495-4E80-B2B1-67CE20C3EB65}" srcId="{C0E18C18-E687-4517-88A1-798198981AF8}" destId="{15E4FA4C-C7C4-44F9-839D-AEA3915DB121}" srcOrd="3" destOrd="0" parTransId="{4C07EC2C-29CD-4810-905D-FE125C2124A5}" sibTransId="{1DE05BAD-2A10-40A3-A7F4-A530D7ACA48D}"/>
+    <dgm:cxn modelId="{04CEC785-EAF9-43AE-8C88-C5CBBC210D9A}" srcId="{C0E18C18-E687-4517-88A1-798198981AF8}" destId="{C615B697-C36C-4DC8-977E-A63F8196574D}" srcOrd="2" destOrd="0" parTransId="{A9597E0C-0465-45C7-B66F-6124C9EEEEE6}" sibTransId="{15F2448E-0737-4AEA-842B-5F7847FEA234}"/>
+    <dgm:cxn modelId="{15107A3C-0CC7-4B37-AE17-E6C50E930C07}" srcId="{C0E18C18-E687-4517-88A1-798198981AF8}" destId="{EB130527-9971-4CA5-80E4-26AD1D43139A}" srcOrd="0" destOrd="0" parTransId="{0B27DD1C-122B-43D3-B80B-34E6EA49BD00}" sibTransId="{48E2667D-5C52-4972-A44B-FD5564973506}"/>
+    <dgm:cxn modelId="{E1C3C284-3175-4BE7-AC86-EFDD6C147E6A}" type="presOf" srcId="{53A04FAC-B714-4672-A861-B55398B42EFC}" destId="{F21A3429-D2FD-4E5A-BA57-1E91163818B6}" srcOrd="0" destOrd="1" presId="urn:microsoft.com/office/officeart/2005/8/layout/hList1"/>
+    <dgm:cxn modelId="{D9943EA4-BCF4-48CC-9EBA-F22CAC99E223}" srcId="{6D7F13BD-1746-4018-B4B2-B89B5D795F66}" destId="{76A7089D-4A74-47BA-A01F-8E1942DD1702}" srcOrd="1" destOrd="0" parTransId="{5ED336E4-6EF7-43C7-B6E0-3C03F9AA27C3}" sibTransId="{81002272-0B85-467A-B0A1-CEB7EB88E07F}"/>
+    <dgm:cxn modelId="{29349F98-216E-4114-8A33-9458ED4A126B}" srcId="{D868C09B-113A-40AA-BE63-0553AEAA11AB}" destId="{C0E18C18-E687-4517-88A1-798198981AF8}" srcOrd="1" destOrd="0" parTransId="{CBB49B7F-7170-443A-9310-8579B2617177}" sibTransId="{38853C39-46C0-4FC8-9E83-D63AFCAAAD35}"/>
+    <dgm:cxn modelId="{78C6FD2C-5105-4786-8541-958ABD0F31B5}" type="presOf" srcId="{15E4FA4C-C7C4-44F9-839D-AEA3915DB121}" destId="{F21A3429-D2FD-4E5A-BA57-1E91163818B6}" srcOrd="0" destOrd="3" presId="urn:microsoft.com/office/officeart/2005/8/layout/hList1"/>
+    <dgm:cxn modelId="{10D3D067-A1C6-4BFD-86B6-758CF00B13CF}" srcId="{C0E18C18-E687-4517-88A1-798198981AF8}" destId="{BA7D3D14-7570-4140-AA4F-6F7D9668C63C}" srcOrd="4" destOrd="0" parTransId="{5C491254-2647-4D83-B80D-A41C7DBBE2D1}" sibTransId="{C2DE4CB4-98B1-4D71-AC89-A1349CC5C5FE}"/>
+    <dgm:cxn modelId="{064928F0-7D33-4E49-AE88-B533217398DE}" type="presOf" srcId="{34168D17-4406-43C3-8F84-BE928967179B}" destId="{B50089EA-95B2-4DA2-A097-9864D32B35C3}" srcOrd="0" destOrd="0" presId="urn:microsoft.com/office/officeart/2005/8/layout/hList1"/>
+    <dgm:cxn modelId="{4F54CF29-F8F1-45DB-9AD1-E554DD0A4612}" type="presOf" srcId="{76A7089D-4A74-47BA-A01F-8E1942DD1702}" destId="{B50089EA-95B2-4DA2-A097-9864D32B35C3}" srcOrd="0" destOrd="1" presId="urn:microsoft.com/office/officeart/2005/8/layout/hList1"/>
     <dgm:cxn modelId="{71AA33AE-A389-4FF2-80F4-C15183C54D90}" type="presOf" srcId="{DD0FEE4B-146A-495C-BBA6-75A98C776ADF}" destId="{FD36590A-558B-46D9-802B-12502375674E}" srcOrd="0" destOrd="0" presId="urn:microsoft.com/office/officeart/2005/8/layout/hList1"/>
-    <dgm:cxn modelId="{D2C820B5-E495-4E80-B2B1-67CE20C3EB65}" srcId="{C0E18C18-E687-4517-88A1-798198981AF8}" destId="{15E4FA4C-C7C4-44F9-839D-AEA3915DB121}" srcOrd="3" destOrd="0" parTransId="{4C07EC2C-29CD-4810-905D-FE125C2124A5}" sibTransId="{1DE05BAD-2A10-40A3-A7F4-A530D7ACA48D}"/>
+    <dgm:cxn modelId="{C5FE8676-41FF-4ECD-808D-3F56786DE931}" srcId="{DD0FEE4B-146A-495C-BBA6-75A98C776ADF}" destId="{7C78240F-717A-46F1-A9D1-284133155A6B}" srcOrd="2" destOrd="0" parTransId="{D7B512EB-D214-4756-959C-756D05165634}" sibTransId="{EEE174C7-B819-4375-9D4E-1F7F73075D1D}"/>
+    <dgm:cxn modelId="{4F14A052-A8E3-49AC-994B-F2FCBFE7834E}" type="presOf" srcId="{C615B697-C36C-4DC8-977E-A63F8196574D}" destId="{F21A3429-D2FD-4E5A-BA57-1E91163818B6}" srcOrd="0" destOrd="2" presId="urn:microsoft.com/office/officeart/2005/8/layout/hList1"/>
+    <dgm:cxn modelId="{2301CA69-6BD7-4B99-858E-DCB99B6EC727}" type="presOf" srcId="{BA7D3D14-7570-4140-AA4F-6F7D9668C63C}" destId="{F21A3429-D2FD-4E5A-BA57-1E91163818B6}" srcOrd="0" destOrd="4" presId="urn:microsoft.com/office/officeart/2005/8/layout/hList1"/>
+    <dgm:cxn modelId="{F832F10F-646A-45A7-AF57-2588491F1AD7}" type="presOf" srcId="{F3808770-E904-469E-94F8-396B56E2230C}" destId="{9FA6C10D-9552-4996-A95C-2636A5BE516B}" srcOrd="0" destOrd="0" presId="urn:microsoft.com/office/officeart/2005/8/layout/hList1"/>
+    <dgm:cxn modelId="{4C363A6B-7FA4-49AB-8D1F-79E88FDCEAA8}" type="presOf" srcId="{6D7F13BD-1746-4018-B4B2-B89B5D795F66}" destId="{D09D8195-4BD3-4C85-A2A0-535948727BC4}" srcOrd="0" destOrd="0" presId="urn:microsoft.com/office/officeart/2005/8/layout/hList1"/>
+    <dgm:cxn modelId="{E3D25692-9FB4-422C-A884-07A32E2C43CA}" type="presOf" srcId="{D868C09B-113A-40AA-BE63-0553AEAA11AB}" destId="{6C88236F-68CF-47A6-B8F6-B34D305BE6A1}" srcOrd="0" destOrd="0" presId="urn:microsoft.com/office/officeart/2005/8/layout/hList1"/>
+    <dgm:cxn modelId="{9A9CFE48-8CC2-4927-9E81-57A551DAC13A}" srcId="{6D7F13BD-1746-4018-B4B2-B89B5D795F66}" destId="{34168D17-4406-43C3-8F84-BE928967179B}" srcOrd="0" destOrd="0" parTransId="{67D95A88-CCDC-4F81-9E83-1CAA9D91058F}" sibTransId="{914A6CF7-F9C3-43A4-9670-CF4B3822A587}"/>
+    <dgm:cxn modelId="{A0CD1262-E95A-4181-B415-6E458CC9BE0C}" srcId="{D868C09B-113A-40AA-BE63-0553AEAA11AB}" destId="{DD0FEE4B-146A-495C-BBA6-75A98C776ADF}" srcOrd="0" destOrd="0" parTransId="{5C5D75B7-B1AE-435F-9DFC-D7289C86B2B7}" sibTransId="{8C4E152F-0E2F-4592-AC87-85F05DB6A825}"/>
+    <dgm:cxn modelId="{5726721F-AB2C-4466-BB8C-719B3FD8FDED}" srcId="{D868C09B-113A-40AA-BE63-0553AEAA11AB}" destId="{6D7F13BD-1746-4018-B4B2-B89B5D795F66}" srcOrd="2" destOrd="0" parTransId="{4C7E05A3-503F-4CEE-A06C-D67020124CDC}" sibTransId="{BE1523A5-937E-4751-8E29-C8D66B4AC246}"/>
     <dgm:cxn modelId="{A2E865DA-D83F-449A-B00C-1B89B7690518}" type="presOf" srcId="{EB130527-9971-4CA5-80E4-26AD1D43139A}" destId="{F21A3429-D2FD-4E5A-BA57-1E91163818B6}" srcOrd="0" destOrd="0" presId="urn:microsoft.com/office/officeart/2005/8/layout/hList1"/>
-    <dgm:cxn modelId="{4F14A052-A8E3-49AC-994B-F2FCBFE7834E}" type="presOf" srcId="{C615B697-C36C-4DC8-977E-A63F8196574D}" destId="{F21A3429-D2FD-4E5A-BA57-1E91163818B6}" srcOrd="0" destOrd="2" presId="urn:microsoft.com/office/officeart/2005/8/layout/hList1"/>
-    <dgm:cxn modelId="{A0CD1262-E95A-4181-B415-6E458CC9BE0C}" srcId="{D868C09B-113A-40AA-BE63-0553AEAA11AB}" destId="{DD0FEE4B-146A-495C-BBA6-75A98C776ADF}" srcOrd="0" destOrd="0" parTransId="{5C5D75B7-B1AE-435F-9DFC-D7289C86B2B7}" sibTransId="{8C4E152F-0E2F-4592-AC87-85F05DB6A825}"/>
-    <dgm:cxn modelId="{4C363A6B-7FA4-49AB-8D1F-79E88FDCEAA8}" type="presOf" srcId="{6D7F13BD-1746-4018-B4B2-B89B5D795F66}" destId="{D09D8195-4BD3-4C85-A2A0-535948727BC4}" srcOrd="0" destOrd="0" presId="urn:microsoft.com/office/officeart/2005/8/layout/hList1"/>
-    <dgm:cxn modelId="{4F54CF29-F8F1-45DB-9AD1-E554DD0A4612}" type="presOf" srcId="{76A7089D-4A74-47BA-A01F-8E1942DD1702}" destId="{B50089EA-95B2-4DA2-A097-9864D32B35C3}" srcOrd="0" destOrd="1" presId="urn:microsoft.com/office/officeart/2005/8/layout/hList1"/>
+    <dgm:cxn modelId="{5118CE64-30E0-482F-8E00-D2A313FB969A}" srcId="{C0E18C18-E687-4517-88A1-798198981AF8}" destId="{53A04FAC-B714-4672-A861-B55398B42EFC}" srcOrd="1" destOrd="0" parTransId="{FBCD7AEA-6DD5-4BA9-9FD2-E09763AD2E99}" sibTransId="{5A1CC6E2-1CBE-499D-A8A8-352C938754AE}"/>
+    <dgm:cxn modelId="{BCEFB632-6AF5-4048-9D07-F7B177A86939}" type="presOf" srcId="{7F86B73A-9A4A-4058-811D-0C442771DADA}" destId="{9FA6C10D-9552-4996-A95C-2636A5BE516B}" srcOrd="0" destOrd="1" presId="urn:microsoft.com/office/officeart/2005/8/layout/hList1"/>
     <dgm:cxn modelId="{1F16B530-7A84-4608-A6C3-B62995E8CD6B}" srcId="{DD0FEE4B-146A-495C-BBA6-75A98C776ADF}" destId="{7F86B73A-9A4A-4058-811D-0C442771DADA}" srcOrd="1" destOrd="0" parTransId="{7E06FEE5-F364-4E87-BFC5-2FF2939C9F7C}" sibTransId="{71D83568-61CB-4702-A497-945F6FA3B0B1}"/>
-    <dgm:cxn modelId="{29349F98-216E-4114-8A33-9458ED4A126B}" srcId="{D868C09B-113A-40AA-BE63-0553AEAA11AB}" destId="{C0E18C18-E687-4517-88A1-798198981AF8}" srcOrd="1" destOrd="0" parTransId="{CBB49B7F-7170-443A-9310-8579B2617177}" sibTransId="{38853C39-46C0-4FC8-9E83-D63AFCAAAD35}"/>
-    <dgm:cxn modelId="{BCEFB632-6AF5-4048-9D07-F7B177A86939}" type="presOf" srcId="{7F86B73A-9A4A-4058-811D-0C442771DADA}" destId="{9FA6C10D-9552-4996-A95C-2636A5BE516B}" srcOrd="0" destOrd="1" presId="urn:microsoft.com/office/officeart/2005/8/layout/hList1"/>
-    <dgm:cxn modelId="{9A9CFE48-8CC2-4927-9E81-57A551DAC13A}" srcId="{6D7F13BD-1746-4018-B4B2-B89B5D795F66}" destId="{34168D17-4406-43C3-8F84-BE928967179B}" srcOrd="0" destOrd="0" parTransId="{67D95A88-CCDC-4F81-9E83-1CAA9D91058F}" sibTransId="{914A6CF7-F9C3-43A4-9670-CF4B3822A587}"/>
-    <dgm:cxn modelId="{5118CE64-30E0-482F-8E00-D2A313FB969A}" srcId="{C0E18C18-E687-4517-88A1-798198981AF8}" destId="{53A04FAC-B714-4672-A861-B55398B42EFC}" srcOrd="1" destOrd="0" parTransId="{FBCD7AEA-6DD5-4BA9-9FD2-E09763AD2E99}" sibTransId="{5A1CC6E2-1CBE-499D-A8A8-352C938754AE}"/>
-    <dgm:cxn modelId="{04CEC785-EAF9-43AE-8C88-C5CBBC210D9A}" srcId="{C0E18C18-E687-4517-88A1-798198981AF8}" destId="{C615B697-C36C-4DC8-977E-A63F8196574D}" srcOrd="2" destOrd="0" parTransId="{A9597E0C-0465-45C7-B66F-6124C9EEEEE6}" sibTransId="{15F2448E-0737-4AEA-842B-5F7847FEA234}"/>
-    <dgm:cxn modelId="{F832F10F-646A-45A7-AF57-2588491F1AD7}" type="presOf" srcId="{F3808770-E904-469E-94F8-396B56E2230C}" destId="{9FA6C10D-9552-4996-A95C-2636A5BE516B}" srcOrd="0" destOrd="0" presId="urn:microsoft.com/office/officeart/2005/8/layout/hList1"/>
-    <dgm:cxn modelId="{5726721F-AB2C-4466-BB8C-719B3FD8FDED}" srcId="{D868C09B-113A-40AA-BE63-0553AEAA11AB}" destId="{6D7F13BD-1746-4018-B4B2-B89B5D795F66}" srcOrd="2" destOrd="0" parTransId="{4C7E05A3-503F-4CEE-A06C-D67020124CDC}" sibTransId="{BE1523A5-937E-4751-8E29-C8D66B4AC246}"/>
-    <dgm:cxn modelId="{E1C3C284-3175-4BE7-AC86-EFDD6C147E6A}" type="presOf" srcId="{53A04FAC-B714-4672-A861-B55398B42EFC}" destId="{F21A3429-D2FD-4E5A-BA57-1E91163818B6}" srcOrd="0" destOrd="1" presId="urn:microsoft.com/office/officeart/2005/8/layout/hList1"/>
-    <dgm:cxn modelId="{064928F0-7D33-4E49-AE88-B533217398DE}" type="presOf" srcId="{34168D17-4406-43C3-8F84-BE928967179B}" destId="{B50089EA-95B2-4DA2-A097-9864D32B35C3}" srcOrd="0" destOrd="0" presId="urn:microsoft.com/office/officeart/2005/8/layout/hList1"/>
-    <dgm:cxn modelId="{E3D25692-9FB4-422C-A884-07A32E2C43CA}" type="presOf" srcId="{D868C09B-113A-40AA-BE63-0553AEAA11AB}" destId="{6C88236F-68CF-47A6-B8F6-B34D305BE6A1}" srcOrd="0" destOrd="0" presId="urn:microsoft.com/office/officeart/2005/8/layout/hList1"/>
-    <dgm:cxn modelId="{2301CA69-6BD7-4B99-858E-DCB99B6EC727}" type="presOf" srcId="{BA7D3D14-7570-4140-AA4F-6F7D9668C63C}" destId="{F21A3429-D2FD-4E5A-BA57-1E91163818B6}" srcOrd="0" destOrd="4" presId="urn:microsoft.com/office/officeart/2005/8/layout/hList1"/>
-    <dgm:cxn modelId="{78C6FD2C-5105-4786-8541-958ABD0F31B5}" type="presOf" srcId="{15E4FA4C-C7C4-44F9-839D-AEA3915DB121}" destId="{F21A3429-D2FD-4E5A-BA57-1E91163818B6}" srcOrd="0" destOrd="3" presId="urn:microsoft.com/office/officeart/2005/8/layout/hList1"/>
-    <dgm:cxn modelId="{D9943EA4-BCF4-48CC-9EBA-F22CAC99E223}" srcId="{6D7F13BD-1746-4018-B4B2-B89B5D795F66}" destId="{76A7089D-4A74-47BA-A01F-8E1942DD1702}" srcOrd="1" destOrd="0" parTransId="{5ED336E4-6EF7-43C7-B6E0-3C03F9AA27C3}" sibTransId="{81002272-0B85-467A-B0A1-CEB7EB88E07F}"/>
-    <dgm:cxn modelId="{C5FE8676-41FF-4ECD-808D-3F56786DE931}" srcId="{DD0FEE4B-146A-495C-BBA6-75A98C776ADF}" destId="{7C78240F-717A-46F1-A9D1-284133155A6B}" srcOrd="2" destOrd="0" parTransId="{D7B512EB-D214-4756-959C-756D05165634}" sibTransId="{EEE174C7-B819-4375-9D4E-1F7F73075D1D}"/>
     <dgm:cxn modelId="{CA5F8145-A724-48E6-A621-8A04FD2455B0}" type="presParOf" srcId="{6C88236F-68CF-47A6-B8F6-B34D305BE6A1}" destId="{A5742A3D-3149-4833-9E95-31AD3589EBEF}" srcOrd="0" destOrd="0" presId="urn:microsoft.com/office/officeart/2005/8/layout/hList1"/>
     <dgm:cxn modelId="{367A23F3-A18D-4CCF-8BAE-C7706F477917}" type="presParOf" srcId="{A5742A3D-3149-4833-9E95-31AD3589EBEF}" destId="{FD36590A-558B-46D9-802B-12502375674E}" srcOrd="0" destOrd="0" presId="urn:microsoft.com/office/officeart/2005/8/layout/hList1"/>
     <dgm:cxn modelId="{0E73460F-7934-481C-B3F1-AB3324E725C4}" type="presParOf" srcId="{A5742A3D-3149-4833-9E95-31AD3589EBEF}" destId="{9FA6C10D-9552-4996-A95C-2636A5BE516B}" srcOrd="1" destOrd="0" presId="urn:microsoft.com/office/officeart/2005/8/layout/hList1"/>
@@ -1781,535 +1829,6 @@
       <dsp:cNvGrpSpPr/>
     </dsp:nvGrpSpPr>
     <dsp:grpSpPr/>
-    <dsp:sp modelId="{FD36590A-558B-46D9-802B-12502375674E}">
-      <dsp:nvSpPr>
-        <dsp:cNvPr id="0" name=""/>
-        <dsp:cNvSpPr/>
-      </dsp:nvSpPr>
-      <dsp:spPr>
-        <a:xfrm>
-          <a:off x="3286" y="162906"/>
-          <a:ext cx="3203971" cy="662400"/>
-        </a:xfrm>
-        <a:prstGeom prst="rect">
-          <a:avLst/>
-        </a:prstGeom>
-        <a:solidFill>
-          <a:schemeClr val="accent3"/>
-        </a:solidFill>
-        <a:ln w="12700" cap="flat" cmpd="sng" algn="ctr">
-          <a:noFill/>
-          <a:prstDash val="solid"/>
-          <a:miter lim="800000"/>
-        </a:ln>
-        <a:effectLst/>
-      </dsp:spPr>
-      <dsp:style>
-        <a:lnRef idx="2">
-          <a:scrgbClr r="0" g="0" b="0"/>
-        </a:lnRef>
-        <a:fillRef idx="1">
-          <a:scrgbClr r="0" g="0" b="0"/>
-        </a:fillRef>
-        <a:effectRef idx="0">
-          <a:scrgbClr r="0" g="0" b="0"/>
-        </a:effectRef>
-        <a:fontRef idx="minor">
-          <a:schemeClr val="lt1"/>
-        </a:fontRef>
-      </dsp:style>
-      <dsp:txBody>
-        <a:bodyPr spcFirstLastPara="0" vert="horz" wrap="square" lIns="163576" tIns="93472" rIns="163576" bIns="93472" numCol="1" spcCol="1270" anchor="ctr" anchorCtr="0">
-          <a:noAutofit/>
-        </a:bodyPr>
-        <a:lstStyle/>
-        <a:p>
-          <a:pPr marL="0" lvl="0" indent="0" algn="ctr" defTabSz="1022350">
-            <a:lnSpc>
-              <a:spcPct val="90000"/>
-            </a:lnSpc>
-            <a:spcBef>
-              <a:spcPct val="0"/>
-            </a:spcBef>
-            <a:spcAft>
-              <a:spcPct val="35000"/>
-            </a:spcAft>
-            <a:buNone/>
-          </a:pPr>
-          <a:r>
-            <a:rPr lang="en-US" sz="2300" kern="1200" dirty="0"/>
-            <a:t>Image</a:t>
-          </a:r>
-        </a:p>
-      </dsp:txBody>
-      <dsp:txXfrm>
-        <a:off x="3286" y="162906"/>
-        <a:ext cx="3203971" cy="662400"/>
-      </dsp:txXfrm>
-    </dsp:sp>
-    <dsp:sp modelId="{9FA6C10D-9552-4996-A95C-2636A5BE516B}">
-      <dsp:nvSpPr>
-        <dsp:cNvPr id="0" name=""/>
-        <dsp:cNvSpPr/>
-      </dsp:nvSpPr>
-      <dsp:spPr>
-        <a:xfrm>
-          <a:off x="3286" y="825306"/>
-          <a:ext cx="3203971" cy="2904209"/>
-        </a:xfrm>
-        <a:prstGeom prst="rect">
-          <a:avLst/>
-        </a:prstGeom>
-        <a:solidFill>
-          <a:schemeClr val="accent5">
-            <a:lumMod val="40000"/>
-            <a:lumOff val="60000"/>
-            <a:alpha val="90000"/>
-          </a:schemeClr>
-        </a:solidFill>
-        <a:ln w="12700" cap="flat" cmpd="sng" algn="ctr">
-          <a:noFill/>
-          <a:prstDash val="solid"/>
-          <a:miter lim="800000"/>
-        </a:ln>
-        <a:effectLst/>
-      </dsp:spPr>
-      <dsp:style>
-        <a:lnRef idx="2">
-          <a:scrgbClr r="0" g="0" b="0"/>
-        </a:lnRef>
-        <a:fillRef idx="1">
-          <a:scrgbClr r="0" g="0" b="0"/>
-        </a:fillRef>
-        <a:effectRef idx="0">
-          <a:scrgbClr r="0" g="0" b="0"/>
-        </a:effectRef>
-        <a:fontRef idx="minor"/>
-      </dsp:style>
-      <dsp:txBody>
-        <a:bodyPr spcFirstLastPara="0" vert="horz" wrap="square" lIns="122682" tIns="122682" rIns="163576" bIns="184023" numCol="1" spcCol="1270" anchor="t" anchorCtr="0">
-          <a:noAutofit/>
-        </a:bodyPr>
-        <a:lstStyle/>
-        <a:p>
-          <a:pPr marL="228600" lvl="1" indent="-228600" algn="l" defTabSz="1022350">
-            <a:lnSpc>
-              <a:spcPct val="90000"/>
-            </a:lnSpc>
-            <a:spcBef>
-              <a:spcPct val="0"/>
-            </a:spcBef>
-            <a:spcAft>
-              <a:spcPct val="15000"/>
-            </a:spcAft>
-            <a:buChar char="•"/>
-          </a:pPr>
-          <a:r>
-            <a:rPr lang="en-US" sz="2300" kern="1200" dirty="0"/>
-            <a:t>Select an image from the VM Gallery</a:t>
-          </a:r>
-        </a:p>
-        <a:p>
-          <a:pPr marL="228600" lvl="1" indent="-228600" algn="l" defTabSz="1022350">
-            <a:lnSpc>
-              <a:spcPct val="90000"/>
-            </a:lnSpc>
-            <a:spcBef>
-              <a:spcPct val="0"/>
-            </a:spcBef>
-            <a:spcAft>
-              <a:spcPct val="15000"/>
-            </a:spcAft>
-            <a:buChar char="•"/>
-          </a:pPr>
-          <a:r>
-            <a:rPr lang="en-US" sz="2300" kern="1200" dirty="0"/>
-            <a:t>Upload your own Custom-Prepped Image</a:t>
-          </a:r>
-        </a:p>
-        <a:p>
-          <a:pPr marL="228600" lvl="1" indent="-228600" algn="l" defTabSz="1022350">
-            <a:lnSpc>
-              <a:spcPct val="90000"/>
-            </a:lnSpc>
-            <a:spcBef>
-              <a:spcPct val="0"/>
-            </a:spcBef>
-            <a:spcAft>
-              <a:spcPct val="15000"/>
-            </a:spcAft>
-            <a:buChar char="•"/>
-          </a:pPr>
-          <a:r>
-            <a:rPr lang="en-US" sz="2300" kern="1200" dirty="0"/>
-            <a:t>Use a Custom ARM Template</a:t>
-          </a:r>
-          <a:endParaRPr lang="en-US" sz="2300" kern="1200" dirty="0"/>
-        </a:p>
-      </dsp:txBody>
-      <dsp:txXfrm>
-        <a:off x="3286" y="825306"/>
-        <a:ext cx="3203971" cy="2904209"/>
-      </dsp:txXfrm>
-    </dsp:sp>
-    <dsp:sp modelId="{38A270B5-0C1D-478F-ABA9-EF14CA141189}">
-      <dsp:nvSpPr>
-        <dsp:cNvPr id="0" name=""/>
-        <dsp:cNvSpPr/>
-      </dsp:nvSpPr>
-      <dsp:spPr>
-        <a:xfrm>
-          <a:off x="3655814" y="162906"/>
-          <a:ext cx="3203971" cy="662400"/>
-        </a:xfrm>
-        <a:prstGeom prst="rect">
-          <a:avLst/>
-        </a:prstGeom>
-        <a:solidFill>
-          <a:srgbClr val="0070C0"/>
-        </a:solidFill>
-        <a:ln w="12700" cap="flat" cmpd="sng" algn="ctr">
-          <a:noFill/>
-          <a:prstDash val="solid"/>
-          <a:miter lim="800000"/>
-        </a:ln>
-        <a:effectLst/>
-      </dsp:spPr>
-      <dsp:style>
-        <a:lnRef idx="2">
-          <a:scrgbClr r="0" g="0" b="0"/>
-        </a:lnRef>
-        <a:fillRef idx="1">
-          <a:scrgbClr r="0" g="0" b="0"/>
-        </a:fillRef>
-        <a:effectRef idx="0">
-          <a:scrgbClr r="0" g="0" b="0"/>
-        </a:effectRef>
-        <a:fontRef idx="minor">
-          <a:schemeClr val="lt1"/>
-        </a:fontRef>
-      </dsp:style>
-      <dsp:txBody>
-        <a:bodyPr spcFirstLastPara="0" vert="horz" wrap="square" lIns="163576" tIns="93472" rIns="163576" bIns="93472" numCol="1" spcCol="1270" anchor="ctr" anchorCtr="0">
-          <a:noAutofit/>
-        </a:bodyPr>
-        <a:lstStyle/>
-        <a:p>
-          <a:pPr marL="0" lvl="0" indent="0" algn="ctr" defTabSz="1022350">
-            <a:lnSpc>
-              <a:spcPct val="90000"/>
-            </a:lnSpc>
-            <a:spcBef>
-              <a:spcPct val="0"/>
-            </a:spcBef>
-            <a:spcAft>
-              <a:spcPct val="35000"/>
-            </a:spcAft>
-            <a:buNone/>
-          </a:pPr>
-          <a:r>
-            <a:rPr lang="en-US" sz="2300" kern="1200" dirty="0"/>
-            <a:t>Scale</a:t>
-          </a:r>
-        </a:p>
-      </dsp:txBody>
-      <dsp:txXfrm>
-        <a:off x="3655814" y="162906"/>
-        <a:ext cx="3203971" cy="662400"/>
-      </dsp:txXfrm>
-    </dsp:sp>
-    <dsp:sp modelId="{F21A3429-D2FD-4E5A-BA57-1E91163818B6}">
-      <dsp:nvSpPr>
-        <dsp:cNvPr id="0" name=""/>
-        <dsp:cNvSpPr/>
-      </dsp:nvSpPr>
-      <dsp:spPr>
-        <a:xfrm>
-          <a:off x="3655814" y="825306"/>
-          <a:ext cx="3203971" cy="2904209"/>
-        </a:xfrm>
-        <a:prstGeom prst="rect">
-          <a:avLst/>
-        </a:prstGeom>
-        <a:solidFill>
-          <a:schemeClr val="accent2">
-            <a:lumMod val="40000"/>
-            <a:lumOff val="60000"/>
-            <a:alpha val="90000"/>
-          </a:schemeClr>
-        </a:solidFill>
-        <a:ln w="12700" cap="flat" cmpd="sng" algn="ctr">
-          <a:noFill/>
-          <a:prstDash val="solid"/>
-          <a:miter lim="800000"/>
-        </a:ln>
-        <a:effectLst/>
-      </dsp:spPr>
-      <dsp:style>
-        <a:lnRef idx="2">
-          <a:scrgbClr r="0" g="0" b="0"/>
-        </a:lnRef>
-        <a:fillRef idx="1">
-          <a:scrgbClr r="0" g="0" b="0"/>
-        </a:fillRef>
-        <a:effectRef idx="0">
-          <a:scrgbClr r="0" g="0" b="0"/>
-        </a:effectRef>
-        <a:fontRef idx="minor"/>
-      </dsp:style>
-      <dsp:txBody>
-        <a:bodyPr spcFirstLastPara="0" vert="horz" wrap="square" lIns="122682" tIns="122682" rIns="163576" bIns="184023" numCol="1" spcCol="1270" anchor="t" anchorCtr="0">
-          <a:noAutofit/>
-        </a:bodyPr>
-        <a:lstStyle/>
-        <a:p>
-          <a:pPr marL="228600" lvl="1" indent="-228600" algn="l" defTabSz="1022350">
-            <a:lnSpc>
-              <a:spcPct val="90000"/>
-            </a:lnSpc>
-            <a:spcBef>
-              <a:spcPct val="0"/>
-            </a:spcBef>
-            <a:spcAft>
-              <a:spcPct val="15000"/>
-            </a:spcAft>
-            <a:buChar char="•"/>
-          </a:pPr>
-          <a:r>
-            <a:rPr lang="en-US" sz="2300" kern="1200" dirty="0"/>
-            <a:t>General Purpose</a:t>
-          </a:r>
-        </a:p>
-        <a:p>
-          <a:pPr marL="228600" lvl="1" indent="-228600" algn="l" defTabSz="1022350">
-            <a:lnSpc>
-              <a:spcPct val="90000"/>
-            </a:lnSpc>
-            <a:spcBef>
-              <a:spcPct val="0"/>
-            </a:spcBef>
-            <a:spcAft>
-              <a:spcPct val="15000"/>
-            </a:spcAft>
-            <a:buChar char="•"/>
-          </a:pPr>
-          <a:r>
-            <a:rPr lang="en-US" sz="2300" kern="1200" dirty="0"/>
-            <a:t>Compute Optimized</a:t>
-          </a:r>
-        </a:p>
-        <a:p>
-          <a:pPr marL="228600" lvl="1" indent="-228600" algn="l" defTabSz="1022350">
-            <a:lnSpc>
-              <a:spcPct val="90000"/>
-            </a:lnSpc>
-            <a:spcBef>
-              <a:spcPct val="0"/>
-            </a:spcBef>
-            <a:spcAft>
-              <a:spcPct val="15000"/>
-            </a:spcAft>
-            <a:buChar char="•"/>
-          </a:pPr>
-          <a:r>
-            <a:rPr lang="en-US" sz="2300" kern="1200" dirty="0"/>
-            <a:t>Memory Optimized</a:t>
-          </a:r>
-        </a:p>
-        <a:p>
-          <a:pPr marL="228600" lvl="1" indent="-228600" algn="l" defTabSz="1022350">
-            <a:lnSpc>
-              <a:spcPct val="90000"/>
-            </a:lnSpc>
-            <a:spcBef>
-              <a:spcPct val="0"/>
-            </a:spcBef>
-            <a:spcAft>
-              <a:spcPct val="15000"/>
-            </a:spcAft>
-            <a:buChar char="•"/>
-          </a:pPr>
-          <a:r>
-            <a:rPr lang="en-US" sz="2300" kern="1200" dirty="0"/>
-            <a:t>GPU</a:t>
-          </a:r>
-        </a:p>
-        <a:p>
-          <a:pPr marL="228600" lvl="1" indent="-228600" algn="l" defTabSz="1022350">
-            <a:lnSpc>
-              <a:spcPct val="90000"/>
-            </a:lnSpc>
-            <a:spcBef>
-              <a:spcPct val="0"/>
-            </a:spcBef>
-            <a:spcAft>
-              <a:spcPct val="15000"/>
-            </a:spcAft>
-            <a:buChar char="•"/>
-          </a:pPr>
-          <a:r>
-            <a:rPr lang="en-US" sz="2300" kern="1200" dirty="0"/>
-            <a:t>High Performance Compute</a:t>
-          </a:r>
-        </a:p>
-      </dsp:txBody>
-      <dsp:txXfrm>
-        <a:off x="3655814" y="825306"/>
-        <a:ext cx="3203971" cy="2904209"/>
-      </dsp:txXfrm>
-    </dsp:sp>
-    <dsp:sp modelId="{D09D8195-4BD3-4C85-A2A0-535948727BC4}">
-      <dsp:nvSpPr>
-        <dsp:cNvPr id="0" name=""/>
-        <dsp:cNvSpPr/>
-      </dsp:nvSpPr>
-      <dsp:spPr>
-        <a:xfrm>
-          <a:off x="7308342" y="162906"/>
-          <a:ext cx="3203971" cy="662400"/>
-        </a:xfrm>
-        <a:prstGeom prst="rect">
-          <a:avLst/>
-        </a:prstGeom>
-        <a:solidFill>
-          <a:srgbClr val="00B0F0"/>
-        </a:solidFill>
-        <a:ln w="12700" cap="flat" cmpd="sng" algn="ctr">
-          <a:noFill/>
-          <a:prstDash val="solid"/>
-          <a:miter lim="800000"/>
-        </a:ln>
-        <a:effectLst/>
-      </dsp:spPr>
-      <dsp:style>
-        <a:lnRef idx="2">
-          <a:scrgbClr r="0" g="0" b="0"/>
-        </a:lnRef>
-        <a:fillRef idx="1">
-          <a:scrgbClr r="0" g="0" b="0"/>
-        </a:fillRef>
-        <a:effectRef idx="0">
-          <a:scrgbClr r="0" g="0" b="0"/>
-        </a:effectRef>
-        <a:fontRef idx="minor">
-          <a:schemeClr val="lt1"/>
-        </a:fontRef>
-      </dsp:style>
-      <dsp:txBody>
-        <a:bodyPr spcFirstLastPara="0" vert="horz" wrap="square" lIns="163576" tIns="93472" rIns="163576" bIns="93472" numCol="1" spcCol="1270" anchor="ctr" anchorCtr="0">
-          <a:noAutofit/>
-        </a:bodyPr>
-        <a:lstStyle/>
-        <a:p>
-          <a:pPr marL="0" lvl="0" indent="0" algn="ctr" defTabSz="1022350">
-            <a:lnSpc>
-              <a:spcPct val="90000"/>
-            </a:lnSpc>
-            <a:spcBef>
-              <a:spcPct val="0"/>
-            </a:spcBef>
-            <a:spcAft>
-              <a:spcPct val="35000"/>
-            </a:spcAft>
-            <a:buNone/>
-          </a:pPr>
-          <a:r>
-            <a:rPr lang="en-US" sz="2300" kern="1200" dirty="0"/>
-            <a:t>Boot</a:t>
-          </a:r>
-        </a:p>
-      </dsp:txBody>
-      <dsp:txXfrm>
-        <a:off x="7308342" y="162906"/>
-        <a:ext cx="3203971" cy="662400"/>
-      </dsp:txXfrm>
-    </dsp:sp>
-    <dsp:sp modelId="{B50089EA-95B2-4DA2-A097-9864D32B35C3}">
-      <dsp:nvSpPr>
-        <dsp:cNvPr id="0" name=""/>
-        <dsp:cNvSpPr/>
-      </dsp:nvSpPr>
-      <dsp:spPr>
-        <a:xfrm>
-          <a:off x="7308342" y="825306"/>
-          <a:ext cx="3203971" cy="2904209"/>
-        </a:xfrm>
-        <a:prstGeom prst="rect">
-          <a:avLst/>
-        </a:prstGeom>
-        <a:solidFill>
-          <a:schemeClr val="accent1">
-            <a:lumMod val="40000"/>
-            <a:lumOff val="60000"/>
-            <a:alpha val="90000"/>
-          </a:schemeClr>
-        </a:solidFill>
-        <a:ln w="12700" cap="flat" cmpd="sng" algn="ctr">
-          <a:noFill/>
-          <a:prstDash val="solid"/>
-          <a:miter lim="800000"/>
-        </a:ln>
-        <a:effectLst/>
-      </dsp:spPr>
-      <dsp:style>
-        <a:lnRef idx="2">
-          <a:scrgbClr r="0" g="0" b="0"/>
-        </a:lnRef>
-        <a:fillRef idx="1">
-          <a:scrgbClr r="0" g="0" b="0"/>
-        </a:fillRef>
-        <a:effectRef idx="0">
-          <a:scrgbClr r="0" g="0" b="0"/>
-        </a:effectRef>
-        <a:fontRef idx="minor"/>
-      </dsp:style>
-      <dsp:txBody>
-        <a:bodyPr spcFirstLastPara="0" vert="horz" wrap="square" lIns="122682" tIns="122682" rIns="163576" bIns="184023" numCol="1" spcCol="1270" anchor="t" anchorCtr="0">
-          <a:noAutofit/>
-        </a:bodyPr>
-        <a:lstStyle/>
-        <a:p>
-          <a:pPr marL="228600" lvl="1" indent="-228600" algn="l" defTabSz="1022350">
-            <a:lnSpc>
-              <a:spcPct val="90000"/>
-            </a:lnSpc>
-            <a:spcBef>
-              <a:spcPct val="0"/>
-            </a:spcBef>
-            <a:spcAft>
-              <a:spcPct val="15000"/>
-            </a:spcAft>
-            <a:buChar char="•"/>
-          </a:pPr>
-          <a:r>
-            <a:rPr lang="en-US" sz="2300" kern="1200" dirty="0"/>
-            <a:t>Create new disk in Storage</a:t>
-          </a:r>
-        </a:p>
-        <a:p>
-          <a:pPr marL="228600" lvl="1" indent="-228600" algn="l" defTabSz="1022350">
-            <a:lnSpc>
-              <a:spcPct val="90000"/>
-            </a:lnSpc>
-            <a:spcBef>
-              <a:spcPct val="0"/>
-            </a:spcBef>
-            <a:spcAft>
-              <a:spcPct val="15000"/>
-            </a:spcAft>
-            <a:buChar char="•"/>
-          </a:pPr>
-          <a:r>
-            <a:rPr lang="en-US" sz="2300" kern="1200" dirty="0"/>
-            <a:t>Boot the machine</a:t>
-          </a:r>
-        </a:p>
-      </dsp:txBody>
-      <dsp:txXfrm>
-        <a:off x="7308342" y="825306"/>
-        <a:ext cx="3203971" cy="2904209"/>
-      </dsp:txXfrm>
-    </dsp:sp>
   </dsp:spTree>
 </dsp:drawing>
 </file>
@@ -3647,7 +3166,7 @@
           <a:p>
             <a:fld id="{49B60EF2-7028-489F-85D8-FE86CD7CF2A0}" type="datetimeFigureOut">
               <a:rPr lang="en-US" smtClean="0"/>
-              <a:t>11/2/2016</a:t>
+              <a:t>12/12/2016</a:t>
             </a:fld>
             <a:endParaRPr lang="en-US"/>
           </a:p>
@@ -10053,7 +9572,7 @@
           <a:p>
             <a:fld id="{0459C166-16D3-4A25-A2F8-C51E0E346B22}" type="datetimeFigureOut">
               <a:rPr lang="en-US" smtClean="0"/>
-              <a:t>11/2/2016</a:t>
+              <a:t>12/12/2016</a:t>
             </a:fld>
             <a:endParaRPr lang="en-US"/>
           </a:p>
@@ -10417,7 +9936,7 @@
           <a:p>
             <a:fld id="{0459C166-16D3-4A25-A2F8-C51E0E346B22}" type="datetimeFigureOut">
               <a:rPr lang="en-US" smtClean="0"/>
-              <a:t>11/2/2016</a:t>
+              <a:t>12/12/2016</a:t>
             </a:fld>
             <a:endParaRPr lang="en-US"/>
           </a:p>
@@ -10534,7 +10053,7 @@
           <a:p>
             <a:fld id="{0459C166-16D3-4A25-A2F8-C51E0E346B22}" type="datetimeFigureOut">
               <a:rPr lang="en-US" smtClean="0"/>
-              <a:t>11/2/2016</a:t>
+              <a:t>12/12/2016</a:t>
             </a:fld>
             <a:endParaRPr lang="en-US"/>
           </a:p>
@@ -10629,7 +10148,7 @@
           <a:p>
             <a:fld id="{0459C166-16D3-4A25-A2F8-C51E0E346B22}" type="datetimeFigureOut">
               <a:rPr lang="en-US" smtClean="0"/>
-              <a:t>11/2/2016</a:t>
+              <a:t>12/12/2016</a:t>
             </a:fld>
             <a:endParaRPr lang="en-US"/>
           </a:p>
@@ -10904,7 +10423,7 @@
           <a:p>
             <a:fld id="{0459C166-16D3-4A25-A2F8-C51E0E346B22}" type="datetimeFigureOut">
               <a:rPr lang="en-US" smtClean="0"/>
-              <a:t>11/2/2016</a:t>
+              <a:t>12/12/2016</a:t>
             </a:fld>
             <a:endParaRPr lang="en-US"/>
           </a:p>
@@ -11156,7 +10675,7 @@
           <a:p>
             <a:fld id="{0459C166-16D3-4A25-A2F8-C51E0E346B22}" type="datetimeFigureOut">
               <a:rPr lang="en-US" smtClean="0"/>
-              <a:t>11/2/2016</a:t>
+              <a:t>12/12/2016</a:t>
             </a:fld>
             <a:endParaRPr lang="en-US"/>
           </a:p>
@@ -11324,7 +10843,7 @@
           <a:p>
             <a:fld id="{0459C166-16D3-4A25-A2F8-C51E0E346B22}" type="datetimeFigureOut">
               <a:rPr lang="en-US" smtClean="0"/>
-              <a:t>11/2/2016</a:t>
+              <a:t>12/12/2016</a:t>
             </a:fld>
             <a:endParaRPr lang="en-US"/>
           </a:p>
@@ -11502,7 +11021,7 @@
           <a:p>
             <a:fld id="{0459C166-16D3-4A25-A2F8-C51E0E346B22}" type="datetimeFigureOut">
               <a:rPr lang="en-US" smtClean="0"/>
-              <a:t>11/2/2016</a:t>
+              <a:t>12/12/2016</a:t>
             </a:fld>
             <a:endParaRPr lang="en-US"/>
           </a:p>
@@ -11670,7 +11189,7 @@
           <a:p>
             <a:fld id="{0459C166-16D3-4A25-A2F8-C51E0E346B22}" type="datetimeFigureOut">
               <a:rPr lang="en-US" smtClean="0"/>
-              <a:t>11/2/2016</a:t>
+              <a:t>12/12/2016</a:t>
             </a:fld>
             <a:endParaRPr lang="en-US"/>
           </a:p>
@@ -11934,7 +11453,7 @@
             <a:fld id="{0459C166-16D3-4A25-A2F8-C51E0E346B22}" type="datetimeFigureOut">
               <a:rPr lang="en-US" smtClean="0"/>
               <a:pPr/>
-              <a:t>11/2/2016</a:t>
+              <a:t>12/12/2016</a:t>
             </a:fld>
             <a:endParaRPr lang="en-US"/>
           </a:p>
@@ -12250,7 +11769,7 @@
           <a:p>
             <a:fld id="{0459C166-16D3-4A25-A2F8-C51E0E346B22}" type="datetimeFigureOut">
               <a:rPr lang="en-US" smtClean="0"/>
-              <a:t>11/2/2016</a:t>
+              <a:t>12/12/2016</a:t>
             </a:fld>
             <a:endParaRPr lang="en-US"/>
           </a:p>
@@ -12642,7 +12161,7 @@
           <a:p>
             <a:fld id="{0459C166-16D3-4A25-A2F8-C51E0E346B22}" type="datetimeFigureOut">
               <a:rPr lang="en-US" smtClean="0"/>
-              <a:t>11/2/2016</a:t>
+              <a:t>12/12/2016</a:t>
             </a:fld>
             <a:endParaRPr lang="en-US"/>
           </a:p>
@@ -13603,7 +13122,7 @@
           <a:p>
             <a:fld id="{0459C166-16D3-4A25-A2F8-C51E0E346B22}" type="datetimeFigureOut">
               <a:rPr lang="en-US" smtClean="0"/>
-              <a:t>11/2/2016</a:t>
+              <a:t>12/12/2016</a:t>
             </a:fld>
             <a:endParaRPr lang="en-US"/>
           </a:p>
@@ -13814,7 +13333,7 @@
           <a:p>
             <a:fld id="{0459C166-16D3-4A25-A2F8-C51E0E346B22}" type="datetimeFigureOut">
               <a:rPr lang="en-US" smtClean="0"/>
-              <a:t>11/2/2016</a:t>
+              <a:t>12/12/2016</a:t>
             </a:fld>
             <a:endParaRPr lang="en-US"/>
           </a:p>
@@ -32640,49 +32159,49 @@
                 <a:gridCol w="1283208">
                   <a:extLst>
                     <a:ext uri="{9D8B030D-6E8A-4147-A177-3AD203B41FA5}">
-                      <a16:colId xmlns:a16="http://schemas.microsoft.com/office/drawing/2014/main" val="3564033980"/>
+                      <a16:colId xmlns:a16="http://schemas.microsoft.com/office/drawing/2014/main" xmlns="" val="3564033980"/>
                     </a:ext>
                   </a:extLst>
                 </a:gridCol>
                 <a:gridCol w="2145792">
                   <a:extLst>
                     <a:ext uri="{9D8B030D-6E8A-4147-A177-3AD203B41FA5}">
-                      <a16:colId xmlns:a16="http://schemas.microsoft.com/office/drawing/2014/main" val="3060330438"/>
+                      <a16:colId xmlns:a16="http://schemas.microsoft.com/office/drawing/2014/main" xmlns="" val="3060330438"/>
                     </a:ext>
                   </a:extLst>
                 </a:gridCol>
                 <a:gridCol w="1072896">
                   <a:extLst>
                     <a:ext uri="{9D8B030D-6E8A-4147-A177-3AD203B41FA5}">
-                      <a16:colId xmlns:a16="http://schemas.microsoft.com/office/drawing/2014/main" val="3947038132"/>
+                      <a16:colId xmlns:a16="http://schemas.microsoft.com/office/drawing/2014/main" xmlns="" val="3947038132"/>
                     </a:ext>
                   </a:extLst>
                 </a:gridCol>
                 <a:gridCol w="1194816">
                   <a:extLst>
                     <a:ext uri="{9D8B030D-6E8A-4147-A177-3AD203B41FA5}">
-                      <a16:colId xmlns:a16="http://schemas.microsoft.com/office/drawing/2014/main" val="2217343523"/>
+                      <a16:colId xmlns:a16="http://schemas.microsoft.com/office/drawing/2014/main" xmlns="" val="2217343523"/>
                     </a:ext>
                   </a:extLst>
                 </a:gridCol>
                 <a:gridCol w="1011936">
                   <a:extLst>
                     <a:ext uri="{9D8B030D-6E8A-4147-A177-3AD203B41FA5}">
-                      <a16:colId xmlns:a16="http://schemas.microsoft.com/office/drawing/2014/main" val="374252259"/>
+                      <a16:colId xmlns:a16="http://schemas.microsoft.com/office/drawing/2014/main" xmlns="" val="374252259"/>
                     </a:ext>
                   </a:extLst>
                 </a:gridCol>
                 <a:gridCol w="2572512">
                   <a:extLst>
                     <a:ext uri="{9D8B030D-6E8A-4147-A177-3AD203B41FA5}">
-                      <a16:colId xmlns:a16="http://schemas.microsoft.com/office/drawing/2014/main" val="417372413"/>
+                      <a16:colId xmlns:a16="http://schemas.microsoft.com/office/drawing/2014/main" xmlns="" val="417372413"/>
                     </a:ext>
                   </a:extLst>
                 </a:gridCol>
                 <a:gridCol w="1234443">
                   <a:extLst>
                     <a:ext uri="{9D8B030D-6E8A-4147-A177-3AD203B41FA5}">
-                      <a16:colId xmlns:a16="http://schemas.microsoft.com/office/drawing/2014/main" val="3208941474"/>
+                      <a16:colId xmlns:a16="http://schemas.microsoft.com/office/drawing/2014/main" xmlns="" val="3208941474"/>
                     </a:ext>
                   </a:extLst>
                 </a:gridCol>
@@ -32821,7 +32340,7 @@
                 </a:tc>
                 <a:extLst>
                   <a:ext uri="{0D108BD9-81ED-4DB2-BD59-A6C34878D82A}">
-                    <a16:rowId xmlns:a16="http://schemas.microsoft.com/office/drawing/2014/main" val="2291148063"/>
+                    <a16:rowId xmlns:a16="http://schemas.microsoft.com/office/drawing/2014/main" xmlns="" val="2291148063"/>
                   </a:ext>
                 </a:extLst>
               </a:tr>
@@ -33075,7 +32594,7 @@
                 </a:tc>
                 <a:extLst>
                   <a:ext uri="{0D108BD9-81ED-4DB2-BD59-A6C34878D82A}">
-                    <a16:rowId xmlns:a16="http://schemas.microsoft.com/office/drawing/2014/main" val="3714241341"/>
+                    <a16:rowId xmlns:a16="http://schemas.microsoft.com/office/drawing/2014/main" xmlns="" val="3714241341"/>
                   </a:ext>
                 </a:extLst>
               </a:tr>
@@ -33200,7 +32719,7 @@
                 </a:tc>
                 <a:extLst>
                   <a:ext uri="{0D108BD9-81ED-4DB2-BD59-A6C34878D82A}">
-                    <a16:rowId xmlns:a16="http://schemas.microsoft.com/office/drawing/2014/main" val="313922505"/>
+                    <a16:rowId xmlns:a16="http://schemas.microsoft.com/office/drawing/2014/main" xmlns="" val="313922505"/>
                   </a:ext>
                 </a:extLst>
               </a:tr>
@@ -33298,7 +32817,7 @@
                 </a:tc>
                 <a:extLst>
                   <a:ext uri="{0D108BD9-81ED-4DB2-BD59-A6C34878D82A}">
-                    <a16:rowId xmlns:a16="http://schemas.microsoft.com/office/drawing/2014/main" val="1467642850"/>
+                    <a16:rowId xmlns:a16="http://schemas.microsoft.com/office/drawing/2014/main" xmlns="" val="1467642850"/>
                   </a:ext>
                 </a:extLst>
               </a:tr>
@@ -33401,7 +32920,7 @@
                 </a:tc>
                 <a:extLst>
                   <a:ext uri="{0D108BD9-81ED-4DB2-BD59-A6C34878D82A}">
-                    <a16:rowId xmlns:a16="http://schemas.microsoft.com/office/drawing/2014/main" val="4164103869"/>
+                    <a16:rowId xmlns:a16="http://schemas.microsoft.com/office/drawing/2014/main" xmlns="" val="4164103869"/>
                   </a:ext>
                 </a:extLst>
               </a:tr>
@@ -33496,7 +33015,7 @@
                 </a:tc>
                 <a:extLst>
                   <a:ext uri="{0D108BD9-81ED-4DB2-BD59-A6C34878D82A}">
-                    <a16:rowId xmlns:a16="http://schemas.microsoft.com/office/drawing/2014/main" val="3432051853"/>
+                    <a16:rowId xmlns:a16="http://schemas.microsoft.com/office/drawing/2014/main" xmlns="" val="3432051853"/>
                   </a:ext>
                 </a:extLst>
               </a:tr>
@@ -33607,7 +33126,7 @@
                 </a:tc>
                 <a:extLst>
                   <a:ext uri="{0D108BD9-81ED-4DB2-BD59-A6C34878D82A}">
-                    <a16:rowId xmlns:a16="http://schemas.microsoft.com/office/drawing/2014/main" val="2411533771"/>
+                    <a16:rowId xmlns:a16="http://schemas.microsoft.com/office/drawing/2014/main" xmlns="" val="2411533771"/>
                   </a:ext>
                 </a:extLst>
               </a:tr>
@@ -33702,7 +33221,7 @@
                 </a:tc>
                 <a:extLst>
                   <a:ext uri="{0D108BD9-81ED-4DB2-BD59-A6C34878D82A}">
-                    <a16:rowId xmlns:a16="http://schemas.microsoft.com/office/drawing/2014/main" val="3049237370"/>
+                    <a16:rowId xmlns:a16="http://schemas.microsoft.com/office/drawing/2014/main" xmlns="" val="3049237370"/>
                   </a:ext>
                 </a:extLst>
               </a:tr>
@@ -33800,7 +33319,7 @@
                 </a:tc>
                 <a:extLst>
                   <a:ext uri="{0D108BD9-81ED-4DB2-BD59-A6C34878D82A}">
-                    <a16:rowId xmlns:a16="http://schemas.microsoft.com/office/drawing/2014/main" val="636727792"/>
+                    <a16:rowId xmlns:a16="http://schemas.microsoft.com/office/drawing/2014/main" xmlns="" val="636727792"/>
                   </a:ext>
                 </a:extLst>
               </a:tr>
@@ -34097,7 +33616,7 @@
           <p:nvPr/>
         </p:nvPicPr>
         <p:blipFill>
-          <a:blip r:embed="rId3">
+          <a:blip r:embed="rId3" cstate="print">
             <a:extLst>
               <a:ext uri="{28A0092B-C50C-407E-A947-70E740481C1C}">
                 <a14:useLocalDpi xmlns:a14="http://schemas.microsoft.com/office/drawing/2010/main" val="0"/>
@@ -34127,7 +33646,7 @@
           <p:nvPr/>
         </p:nvPicPr>
         <p:blipFill>
-          <a:blip r:embed="rId3">
+          <a:blip r:embed="rId3" cstate="print">
             <a:extLst>
               <a:ext uri="{28A0092B-C50C-407E-A947-70E740481C1C}">
                 <a14:useLocalDpi xmlns:a14="http://schemas.microsoft.com/office/drawing/2010/main" val="0"/>
@@ -34157,7 +33676,7 @@
           <p:nvPr/>
         </p:nvPicPr>
         <p:blipFill>
-          <a:blip r:embed="rId3">
+          <a:blip r:embed="rId3" cstate="print">
             <a:extLst>
               <a:ext uri="{28A0092B-C50C-407E-A947-70E740481C1C}">
                 <a14:useLocalDpi xmlns:a14="http://schemas.microsoft.com/office/drawing/2010/main" val="0"/>
@@ -34187,7 +33706,7 @@
           <p:nvPr/>
         </p:nvPicPr>
         <p:blipFill>
-          <a:blip r:embed="rId3">
+          <a:blip r:embed="rId3" cstate="print">
             <a:extLst>
               <a:ext uri="{28A0092B-C50C-407E-A947-70E740481C1C}">
                 <a14:useLocalDpi xmlns:a14="http://schemas.microsoft.com/office/drawing/2010/main" val="0"/>
@@ -34217,7 +33736,7 @@
           <p:nvPr/>
         </p:nvPicPr>
         <p:blipFill>
-          <a:blip r:embed="rId3">
+          <a:blip r:embed="rId3" cstate="print">
             <a:extLst>
               <a:ext uri="{28A0092B-C50C-407E-A947-70E740481C1C}">
                 <a14:useLocalDpi xmlns:a14="http://schemas.microsoft.com/office/drawing/2010/main" val="0"/>
@@ -34247,7 +33766,7 @@
           <p:nvPr/>
         </p:nvPicPr>
         <p:blipFill>
-          <a:blip r:embed="rId3">
+          <a:blip r:embed="rId3" cstate="print">
             <a:extLst>
               <a:ext uri="{28A0092B-C50C-407E-A947-70E740481C1C}">
                 <a14:useLocalDpi xmlns:a14="http://schemas.microsoft.com/office/drawing/2010/main" val="0"/>
@@ -34277,7 +33796,7 @@
           <p:nvPr/>
         </p:nvPicPr>
         <p:blipFill>
-          <a:blip r:embed="rId3">
+          <a:blip r:embed="rId3" cstate="print">
             <a:extLst>
               <a:ext uri="{28A0092B-C50C-407E-A947-70E740481C1C}">
                 <a14:useLocalDpi xmlns:a14="http://schemas.microsoft.com/office/drawing/2010/main" val="0"/>
@@ -34307,7 +33826,7 @@
           <p:nvPr/>
         </p:nvPicPr>
         <p:blipFill>
-          <a:blip r:embed="rId3">
+          <a:blip r:embed="rId3" cstate="print">
             <a:extLst>
               <a:ext uri="{28A0092B-C50C-407E-A947-70E740481C1C}">
                 <a14:useLocalDpi xmlns:a14="http://schemas.microsoft.com/office/drawing/2010/main" val="0"/>
@@ -34669,7 +34188,7 @@
           <p:nvPr/>
         </p:nvPicPr>
         <p:blipFill>
-          <a:blip r:embed="rId3">
+          <a:blip r:embed="rId3" cstate="print">
             <a:extLst>
               <a:ext uri="{28A0092B-C50C-407E-A947-70E740481C1C}">
                 <a14:useLocalDpi xmlns:a14="http://schemas.microsoft.com/office/drawing/2010/main" val="0"/>
@@ -34699,7 +34218,7 @@
           <p:nvPr/>
         </p:nvPicPr>
         <p:blipFill>
-          <a:blip r:embed="rId4">
+          <a:blip r:embed="rId4" cstate="print">
             <a:extLst>
               <a:ext uri="{28A0092B-C50C-407E-A947-70E740481C1C}">
                 <a14:useLocalDpi xmlns:a14="http://schemas.microsoft.com/office/drawing/2010/main" val="0"/>
@@ -34753,7 +34272,7 @@
           <p:nvPr/>
         </p:nvPicPr>
         <p:blipFill>
-          <a:blip r:embed="rId6">
+          <a:blip r:embed="rId6" cstate="print">
             <a:duotone>
               <a:schemeClr val="accent5">
                 <a:shade val="45000"/>
@@ -34900,7 +34419,7 @@
           <p:nvPr/>
         </p:nvPicPr>
         <p:blipFill>
-          <a:blip r:embed="rId3">
+          <a:blip r:embed="rId3" cstate="print">
             <a:extLst>
               <a:ext uri="{28A0092B-C50C-407E-A947-70E740481C1C}">
                 <a14:useLocalDpi xmlns:a14="http://schemas.microsoft.com/office/drawing/2010/main" val="0"/>
@@ -35144,7 +34663,7 @@
           <p:nvPr/>
         </p:nvPicPr>
         <p:blipFill>
-          <a:blip r:embed="rId4">
+          <a:blip r:embed="rId4" cstate="print">
             <a:extLst>
               <a:ext uri="{28A0092B-C50C-407E-A947-70E740481C1C}">
                 <a14:useLocalDpi xmlns:a14="http://schemas.microsoft.com/office/drawing/2010/main" val="0"/>
@@ -35368,7 +34887,7 @@
           <p:nvPr/>
         </p:nvPicPr>
         <p:blipFill>
-          <a:blip r:embed="rId3">
+          <a:blip r:embed="rId3" cstate="print">
             <a:extLst>
               <a:ext uri="{28A0092B-C50C-407E-A947-70E740481C1C}">
                 <a14:useLocalDpi xmlns:a14="http://schemas.microsoft.com/office/drawing/2010/main" val="0"/>
@@ -35786,7 +35305,7 @@
             <p:nvPr/>
           </p:nvPicPr>
           <p:blipFill>
-            <a:blip r:embed="rId5">
+            <a:blip r:embed="rId5" cstate="print">
               <a:extLst>
                 <a:ext uri="{28A0092B-C50C-407E-A947-70E740481C1C}">
                   <a14:useLocalDpi xmlns:a14="http://schemas.microsoft.com/office/drawing/2010/main" val="0"/>
@@ -35816,7 +35335,7 @@
             <p:nvPr/>
           </p:nvPicPr>
           <p:blipFill>
-            <a:blip r:embed="rId6">
+            <a:blip r:embed="rId6" cstate="print">
               <a:extLst>
                 <a:ext uri="{28A0092B-C50C-407E-A947-70E740481C1C}">
                   <a14:useLocalDpi xmlns:a14="http://schemas.microsoft.com/office/drawing/2010/main" val="0"/>
@@ -35846,7 +35365,7 @@
             <p:nvPr/>
           </p:nvPicPr>
           <p:blipFill>
-            <a:blip r:embed="rId7">
+            <a:blip r:embed="rId7" cstate="print">
               <a:extLst>
                 <a:ext uri="{28A0092B-C50C-407E-A947-70E740481C1C}">
                   <a14:useLocalDpi xmlns:a14="http://schemas.microsoft.com/office/drawing/2010/main" val="0"/>
@@ -35876,7 +35395,7 @@
             <p:nvPr/>
           </p:nvPicPr>
           <p:blipFill>
-            <a:blip r:embed="rId8">
+            <a:blip r:embed="rId8" cstate="print">
               <a:duotone>
                 <a:schemeClr val="accent2">
                   <a:shade val="45000"/>
@@ -35913,7 +35432,7 @@
             <p:nvPr/>
           </p:nvPicPr>
           <p:blipFill>
-            <a:blip r:embed="rId9">
+            <a:blip r:embed="rId9" cstate="print">
               <a:extLst>
                 <a:ext uri="{28A0092B-C50C-407E-A947-70E740481C1C}">
                   <a14:useLocalDpi xmlns:a14="http://schemas.microsoft.com/office/drawing/2010/main" val="0"/>
@@ -41858,7 +41377,7 @@
           <p:nvPr/>
         </p:nvPicPr>
         <p:blipFill>
-          <a:blip r:embed="rId3">
+          <a:blip r:embed="rId3" cstate="print">
             <a:biLevel thresh="25000"/>
             <a:extLst>
               <a:ext uri="{BEBA8EAE-BF5A-486C-A8C5-ECC9F3942E4B}">
@@ -41929,7 +41448,7 @@
           <p:nvPr/>
         </p:nvPicPr>
         <p:blipFill>
-          <a:blip r:embed="rId6">
+          <a:blip r:embed="rId6" cstate="print">
             <a:biLevel thresh="25000"/>
             <a:extLst>
               <a:ext uri="{BEBA8EAE-BF5A-486C-A8C5-ECC9F3942E4B}">
@@ -41969,7 +41488,7 @@
           <p:nvPr/>
         </p:nvPicPr>
         <p:blipFill>
-          <a:blip r:embed="rId8">
+          <a:blip r:embed="rId8" cstate="print">
             <a:biLevel thresh="50000"/>
             <a:extLst>
               <a:ext uri="{28A0092B-C50C-407E-A947-70E740481C1C}">
